--- a/2022/ESS_May_June_2022/Day2_Friday_June_3rd/04_Choppers/Choppers_and_other_rotating_optics.pptx
+++ b/2022/ESS_May_June_2022/Day2_Friday_June_3rd/04_Choppers/Choppers_and_other_rotating_optics.pptx
@@ -9138,7 +9138,10 @@
               </a:defRPr>
             </a:pPr>
             <a:r>
-              <a:t>DISK CHOPPER_S</a:t>
+              <a:t>Multiple </a:t>
+            </a:r>
+            <a:r>
+              <a:t>DISK CHOPPER s or MultiDiskChopper</a:t>
             </a:r>
           </a:p>
         </p:txBody>
@@ -11264,7 +11267,7 @@
         <p:spPr>
           <a:xfrm flipV="1">
             <a:off x="3897458" y="2204524"/>
-            <a:ext cx="6656538" cy="2008475"/>
+            <a:ext cx="6656537" cy="2008475"/>
           </a:xfrm>
           <a:prstGeom prst="line">
             <a:avLst/>
@@ -11300,7 +11303,7 @@
         <p:spPr>
           <a:xfrm>
             <a:off x="10557066" y="1749653"/>
-            <a:ext cx="1338799" cy="1"/>
+            <a:ext cx="1338800" cy="1"/>
           </a:xfrm>
           <a:prstGeom prst="line">
             <a:avLst/>
